--- a/project/Защита проекта.pptx
+++ b/project/Защита проекта.pptx
@@ -3818,17 +3818,17 @@
           <a:p>
             <a:r>
               <a:rPr lang="ru-RU" dirty="0" smtClean="0"/>
-              <a:t>Применить как можно больше изученных в рамках обучения подходов</a:t>
-            </a:r>
-          </a:p>
-          <a:p>
-            <a:r>
-              <a:rPr lang="ru-RU" dirty="0" smtClean="0"/>
-              <a:t>Иметь возможность консультироваться по проекту</a:t>
-            </a:r>
-          </a:p>
-          <a:p>
-            <a:endParaRPr lang="ru-RU" dirty="0"/>
+              <a:t>Применить как можно больше изученных в рамках </a:t>
+            </a:r>
+            <a:r>
+              <a:rPr lang="ru-RU" smtClean="0"/>
+              <a:t>обучения </a:t>
+            </a:r>
+            <a:r>
+              <a:rPr lang="ru-RU" smtClean="0"/>
+              <a:t>подходов</a:t>
+            </a:r>
+            <a:endParaRPr lang="ru-RU" dirty="0" smtClean="0"/>
           </a:p>
         </p:txBody>
       </p:sp>
